--- a/slides/Slide_2.pptx
+++ b/slides/Slide_2.pptx
@@ -12,6 +12,8 @@
     <p:sldId id="260" r:id="rId6"/>
     <p:sldId id="261" r:id="rId7"/>
     <p:sldId id="262" r:id="rId8"/>
+    <p:sldId id="263" r:id="rId9"/>
+    <p:sldId id="264" r:id="rId10"/>
   </p:sldIdLst>
   <p:sldSz cx="9144000" cy="6858000" type="screen4x3"/>
   <p:notesSz cx="6858000" cy="9144000"/>
@@ -4068,6 +4070,323 @@
     <p:extLst>
       <p:ext uri="{BB962C8B-B14F-4D97-AF65-F5344CB8AC3E}">
         <p14:creationId xmlns:p14="http://schemas.microsoft.com/office/powerpoint/2010/main" val="4280130620"/>
+      </p:ext>
+    </p:extLst>
+  </p:cSld>
+  <p:clrMapOvr>
+    <a:masterClrMapping/>
+  </p:clrMapOvr>
+</p:sld>
+</file>
+
+<file path=ppt/slides/slide8.xml><?xml version="1.0" encoding="utf-8"?>
+<p:sld xmlns:a="http://schemas.openxmlformats.org/drawingml/2006/main" xmlns:r="http://schemas.openxmlformats.org/officeDocument/2006/relationships" xmlns:p="http://schemas.openxmlformats.org/presentationml/2006/main">
+  <p:cSld>
+    <p:spTree>
+      <p:nvGrpSpPr>
+        <p:cNvPr id="1" name=""/>
+        <p:cNvGrpSpPr/>
+        <p:nvPr/>
+      </p:nvGrpSpPr>
+      <p:grpSpPr>
+        <a:xfrm>
+          <a:off x="0" y="0"/>
+          <a:ext cx="0" cy="0"/>
+          <a:chOff x="0" y="0"/>
+          <a:chExt cx="0" cy="0"/>
+        </a:xfrm>
+      </p:grpSpPr>
+      <p:sp>
+        <p:nvSpPr>
+          <p:cNvPr id="2" name="Title 1">
+            <a:extLst>
+              <a:ext uri="{FF2B5EF4-FFF2-40B4-BE49-F238E27FC236}">
+                <a16:creationId xmlns:a16="http://schemas.microsoft.com/office/drawing/2014/main" id="{EDE9F1DC-47BB-C88B-7894-0EADD7441D4D}"/>
+              </a:ext>
+            </a:extLst>
+          </p:cNvPr>
+          <p:cNvSpPr>
+            <a:spLocks noGrp="1"/>
+          </p:cNvSpPr>
+          <p:nvPr>
+            <p:ph type="title"/>
+          </p:nvPr>
+        </p:nvSpPr>
+        <p:spPr/>
+        <p:txBody>
+          <a:bodyPr/>
+          <a:lstStyle/>
+          <a:p>
+            <a:r>
+              <a:rPr lang="tr-TR" dirty="0"/>
+              <a:t>Frekans Modülasyonu (</a:t>
+            </a:r>
+            <a:r>
+              <a:rPr lang="tr-TR" dirty="0" err="1"/>
+              <a:t>Vibrato</a:t>
+            </a:r>
+            <a:r>
+              <a:rPr lang="tr-TR" dirty="0"/>
+              <a:t>)</a:t>
+            </a:r>
+          </a:p>
+        </p:txBody>
+      </p:sp>
+      <p:pic>
+        <p:nvPicPr>
+          <p:cNvPr id="5" name="Content Placeholder 4" descr="A diagram of a diagram of a waveform&#10;&#10;AI-generated content may be incorrect.">
+            <a:extLst>
+              <a:ext uri="{FF2B5EF4-FFF2-40B4-BE49-F238E27FC236}">
+                <a16:creationId xmlns:a16="http://schemas.microsoft.com/office/drawing/2014/main" id="{14C816CE-E9DA-5719-D6F8-3663A27D9786}"/>
+              </a:ext>
+            </a:extLst>
+          </p:cNvPr>
+          <p:cNvPicPr>
+            <a:picLocks noGrp="1" noChangeAspect="1"/>
+          </p:cNvPicPr>
+          <p:nvPr>
+            <p:ph idx="1"/>
+          </p:nvPr>
+        </p:nvPicPr>
+        <p:blipFill>
+          <a:blip r:embed="rId2"/>
+          <a:stretch>
+            <a:fillRect/>
+          </a:stretch>
+        </p:blipFill>
+        <p:spPr>
+          <a:xfrm>
+            <a:off x="628650" y="1690689"/>
+            <a:ext cx="5236122" cy="4122694"/>
+          </a:xfrm>
+        </p:spPr>
+      </p:pic>
+      <p:sp>
+        <p:nvSpPr>
+          <p:cNvPr id="6" name="TextBox 5">
+            <a:extLst>
+              <a:ext uri="{FF2B5EF4-FFF2-40B4-BE49-F238E27FC236}">
+                <a16:creationId xmlns:a16="http://schemas.microsoft.com/office/drawing/2014/main" id="{989DB933-01C3-1677-929A-55A356FEFEEE}"/>
+              </a:ext>
+            </a:extLst>
+          </p:cNvPr>
+          <p:cNvSpPr txBox="1"/>
+          <p:nvPr/>
+        </p:nvSpPr>
+        <p:spPr>
+          <a:xfrm>
+            <a:off x="628650" y="6123542"/>
+            <a:ext cx="7731668" cy="369332"/>
+          </a:xfrm>
+          <a:prstGeom prst="rect">
+            <a:avLst/>
+          </a:prstGeom>
+          <a:noFill/>
+        </p:spPr>
+        <p:txBody>
+          <a:bodyPr wrap="none" rtlCol="0">
+            <a:spAutoFit/>
+          </a:bodyPr>
+          <a:lstStyle/>
+          <a:p>
+            <a:r>
+              <a:rPr lang="tr-TR" dirty="0" err="1"/>
+              <a:t>https</a:t>
+            </a:r>
+            <a:r>
+              <a:rPr lang="tr-TR" dirty="0"/>
+              <a:t>://</a:t>
+            </a:r>
+            <a:r>
+              <a:rPr lang="tr-TR" dirty="0" err="1"/>
+              <a:t>alijamieson.co.uk</a:t>
+            </a:r>
+            <a:r>
+              <a:rPr lang="tr-TR" dirty="0"/>
+              <a:t>/2017/05/19/</a:t>
+            </a:r>
+            <a:r>
+              <a:rPr lang="tr-TR" dirty="0" err="1"/>
+              <a:t>bluffers-guide-frequency-modulation</a:t>
+            </a:r>
+            <a:r>
+              <a:rPr lang="tr-TR" dirty="0"/>
+              <a:t>/</a:t>
+            </a:r>
+          </a:p>
+        </p:txBody>
+      </p:sp>
+    </p:spTree>
+    <p:extLst>
+      <p:ext uri="{BB962C8B-B14F-4D97-AF65-F5344CB8AC3E}">
+        <p14:creationId xmlns:p14="http://schemas.microsoft.com/office/powerpoint/2010/main" val="339541584"/>
+      </p:ext>
+    </p:extLst>
+  </p:cSld>
+  <p:clrMapOvr>
+    <a:masterClrMapping/>
+  </p:clrMapOvr>
+</p:sld>
+</file>
+
+<file path=ppt/slides/slide9.xml><?xml version="1.0" encoding="utf-8"?>
+<p:sld xmlns:a="http://schemas.openxmlformats.org/drawingml/2006/main" xmlns:r="http://schemas.openxmlformats.org/officeDocument/2006/relationships" xmlns:p="http://schemas.openxmlformats.org/presentationml/2006/main">
+  <p:cSld>
+    <p:spTree>
+      <p:nvGrpSpPr>
+        <p:cNvPr id="1" name="">
+          <a:extLst>
+            <a:ext uri="{FF2B5EF4-FFF2-40B4-BE49-F238E27FC236}">
+              <a16:creationId xmlns:a16="http://schemas.microsoft.com/office/drawing/2014/main" id="{1B0C61E7-87AF-0B06-C19A-87F5170855C9}"/>
+            </a:ext>
+          </a:extLst>
+        </p:cNvPr>
+        <p:cNvGrpSpPr/>
+        <p:nvPr/>
+      </p:nvGrpSpPr>
+      <p:grpSpPr>
+        <a:xfrm>
+          <a:off x="0" y="0"/>
+          <a:ext cx="0" cy="0"/>
+          <a:chOff x="0" y="0"/>
+          <a:chExt cx="0" cy="0"/>
+        </a:xfrm>
+      </p:grpSpPr>
+      <p:sp>
+        <p:nvSpPr>
+          <p:cNvPr id="2" name="Title 1">
+            <a:extLst>
+              <a:ext uri="{FF2B5EF4-FFF2-40B4-BE49-F238E27FC236}">
+                <a16:creationId xmlns:a16="http://schemas.microsoft.com/office/drawing/2014/main" id="{679CEB60-41C0-FB9B-309A-2314B26916C8}"/>
+              </a:ext>
+            </a:extLst>
+          </p:cNvPr>
+          <p:cNvSpPr>
+            <a:spLocks noGrp="1"/>
+          </p:cNvSpPr>
+          <p:nvPr>
+            <p:ph type="title"/>
+          </p:nvPr>
+        </p:nvSpPr>
+        <p:spPr/>
+        <p:txBody>
+          <a:bodyPr/>
+          <a:lstStyle/>
+          <a:p>
+            <a:r>
+              <a:rPr lang="tr-TR" dirty="0"/>
+              <a:t>Genlik Modülasyonu (</a:t>
+            </a:r>
+            <a:r>
+              <a:rPr lang="tr-TR" dirty="0" err="1"/>
+              <a:t>Tremolo</a:t>
+            </a:r>
+            <a:r>
+              <a:rPr lang="tr-TR" dirty="0"/>
+              <a:t>)</a:t>
+            </a:r>
+          </a:p>
+        </p:txBody>
+      </p:sp>
+      <p:sp>
+        <p:nvSpPr>
+          <p:cNvPr id="6" name="TextBox 5">
+            <a:extLst>
+              <a:ext uri="{FF2B5EF4-FFF2-40B4-BE49-F238E27FC236}">
+                <a16:creationId xmlns:a16="http://schemas.microsoft.com/office/drawing/2014/main" id="{C903D20E-6865-6F39-EEE1-D64180F3804A}"/>
+              </a:ext>
+            </a:extLst>
+          </p:cNvPr>
+          <p:cNvSpPr txBox="1"/>
+          <p:nvPr/>
+        </p:nvSpPr>
+        <p:spPr>
+          <a:xfrm>
+            <a:off x="628650" y="6123542"/>
+            <a:ext cx="7731668" cy="369332"/>
+          </a:xfrm>
+          <a:prstGeom prst="rect">
+            <a:avLst/>
+          </a:prstGeom>
+          <a:noFill/>
+        </p:spPr>
+        <p:txBody>
+          <a:bodyPr wrap="none" rtlCol="0">
+            <a:spAutoFit/>
+          </a:bodyPr>
+          <a:lstStyle/>
+          <a:p>
+            <a:r>
+              <a:rPr lang="tr-TR" dirty="0" err="1"/>
+              <a:t>https</a:t>
+            </a:r>
+            <a:r>
+              <a:rPr lang="tr-TR" dirty="0"/>
+              <a:t>://</a:t>
+            </a:r>
+            <a:r>
+              <a:rPr lang="tr-TR" dirty="0" err="1"/>
+              <a:t>www.concepts</a:t>
+            </a:r>
+            <a:r>
+              <a:rPr lang="tr-TR" dirty="0"/>
+              <a:t>-of-</a:t>
+            </a:r>
+            <a:r>
+              <a:rPr lang="tr-TR" dirty="0" err="1"/>
+              <a:t>physics.com</a:t>
+            </a:r>
+            <a:r>
+              <a:rPr lang="tr-TR" dirty="0"/>
+              <a:t>/modern/</a:t>
+            </a:r>
+            <a:r>
+              <a:rPr lang="tr-TR" dirty="0" err="1"/>
+              <a:t>amplitude-modulation.php</a:t>
+            </a:r>
+            <a:endParaRPr lang="tr-TR" dirty="0"/>
+          </a:p>
+        </p:txBody>
+      </p:sp>
+      <p:pic>
+        <p:nvPicPr>
+          <p:cNvPr id="8" name="Content Placeholder 7">
+            <a:extLst>
+              <a:ext uri="{FF2B5EF4-FFF2-40B4-BE49-F238E27FC236}">
+                <a16:creationId xmlns:a16="http://schemas.microsoft.com/office/drawing/2014/main" id="{AC70DAF7-3A48-4C21-8DDD-1A3452C05008}"/>
+              </a:ext>
+            </a:extLst>
+          </p:cNvPr>
+          <p:cNvPicPr>
+            <a:picLocks noGrp="1" noChangeAspect="1"/>
+          </p:cNvPicPr>
+          <p:nvPr>
+            <p:ph idx="1"/>
+          </p:nvPr>
+        </p:nvPicPr>
+        <p:blipFill>
+          <a:blip r:embed="rId2">
+            <a:extLst>
+              <a:ext uri="{96DAC541-7B7A-43D3-8B79-37D633B846F1}">
+                <asvg:svgBlip xmlns:asvg="http://schemas.microsoft.com/office/drawing/2016/SVG/main" r:embed="rId3"/>
+              </a:ext>
+            </a:extLst>
+          </a:blip>
+          <a:stretch>
+            <a:fillRect/>
+          </a:stretch>
+        </p:blipFill>
+        <p:spPr>
+          <a:xfrm>
+            <a:off x="628649" y="1690688"/>
+            <a:ext cx="5620065" cy="4153063"/>
+          </a:xfrm>
+        </p:spPr>
+      </p:pic>
+    </p:spTree>
+    <p:extLst>
+      <p:ext uri="{BB962C8B-B14F-4D97-AF65-F5344CB8AC3E}">
+        <p14:creationId xmlns:p14="http://schemas.microsoft.com/office/powerpoint/2010/main" val="778403786"/>
       </p:ext>
     </p:extLst>
   </p:cSld>
